--- a/00-web/webの仕組み/about_web.pptx
+++ b/00-web/webの仕組み/about_web.pptx
@@ -132,6 +132,11 @@
       </a:defRPr>
     </a:lvl9pPr>
   </p:defaultTextStyle>
+  <p:extLst>
+    <p:ext uri="{EFAFB233-063F-42B5-8137-9DF3F51BA10A}">
+      <p15:sldGuideLst xmlns:p15="http://schemas.microsoft.com/office/powerpoint/2012/main"/>
+    </p:ext>
+  </p:extLst>
 </p:presentation>
 </file>
 
@@ -881,7 +886,7 @@
             <a:fld id="{B61BEF0D-F0BB-DE4B-95CE-6DB70DBA9567}" type="datetimeFigureOut">
               <a:rPr lang="en-US" dirty="0"/>
               <a:pPr/>
-              <a:t>1/7/2022</a:t>
+              <a:t>4/4/2022</a:t>
             </a:fld>
             <a:endParaRPr lang="en-US" dirty="0"/>
           </a:p>
@@ -1129,7 +1134,7 @@
             <a:fld id="{B61BEF0D-F0BB-DE4B-95CE-6DB70DBA9567}" type="datetimeFigureOut">
               <a:rPr lang="en-US" dirty="0"/>
               <a:pPr/>
-              <a:t>1/7/2022</a:t>
+              <a:t>4/4/2022</a:t>
             </a:fld>
             <a:endParaRPr lang="en-US" dirty="0"/>
           </a:p>
@@ -1440,7 +1445,7 @@
             <a:fld id="{B61BEF0D-F0BB-DE4B-95CE-6DB70DBA9567}" type="datetimeFigureOut">
               <a:rPr lang="en-US" dirty="0"/>
               <a:pPr/>
-              <a:t>1/7/2022</a:t>
+              <a:t>4/4/2022</a:t>
             </a:fld>
             <a:endParaRPr lang="en-US" dirty="0"/>
           </a:p>
@@ -1770,7 +1775,7 @@
             <a:fld id="{B61BEF0D-F0BB-DE4B-95CE-6DB70DBA9567}" type="datetimeFigureOut">
               <a:rPr lang="en-US" dirty="0"/>
               <a:pPr/>
-              <a:t>1/7/2022</a:t>
+              <a:t>4/4/2022</a:t>
             </a:fld>
             <a:endParaRPr lang="en-US" dirty="0"/>
           </a:p>
@@ -2081,7 +2086,7 @@
             <a:fld id="{B61BEF0D-F0BB-DE4B-95CE-6DB70DBA9567}" type="datetimeFigureOut">
               <a:rPr lang="en-US" dirty="0"/>
               <a:pPr/>
-              <a:t>1/7/2022</a:t>
+              <a:t>4/4/2022</a:t>
             </a:fld>
             <a:endParaRPr lang="en-US" dirty="0"/>
           </a:p>
@@ -2471,7 +2476,7 @@
             <a:fld id="{B61BEF0D-F0BB-DE4B-95CE-6DB70DBA9567}" type="datetimeFigureOut">
               <a:rPr lang="en-US" dirty="0"/>
               <a:pPr/>
-              <a:t>1/7/2022</a:t>
+              <a:t>4/4/2022</a:t>
             </a:fld>
             <a:endParaRPr lang="en-US" dirty="0"/>
           </a:p>
@@ -2669,7 +2674,7 @@
           <a:p>
             <a:fld id="{55C6B4A9-1611-4792-9094-5F34BCA07E0B}" type="datetimeFigureOut">
               <a:rPr lang="en-US" dirty="0"/>
-              <a:t>1/7/2022</a:t>
+              <a:t>4/4/2022</a:t>
             </a:fld>
             <a:endParaRPr lang="en-US" dirty="0"/>
           </a:p>
@@ -2877,7 +2882,7 @@
             <a:fld id="{B61BEF0D-F0BB-DE4B-95CE-6DB70DBA9567}" type="datetimeFigureOut">
               <a:rPr lang="en-US" dirty="0"/>
               <a:pPr/>
-              <a:t>1/7/2022</a:t>
+              <a:t>4/4/2022</a:t>
             </a:fld>
             <a:endParaRPr lang="en-US" dirty="0"/>
           </a:p>
@@ -3075,7 +3080,7 @@
           <a:p>
             <a:fld id="{42A54C80-263E-416B-A8E0-580EDEADCBDC}" type="datetimeFigureOut">
               <a:rPr lang="en-US" dirty="0"/>
-              <a:t>1/7/2022</a:t>
+              <a:t>4/4/2022</a:t>
             </a:fld>
             <a:endParaRPr lang="en-US" dirty="0"/>
           </a:p>
@@ -3318,7 +3323,7 @@
             <a:fld id="{B61BEF0D-F0BB-DE4B-95CE-6DB70DBA9567}" type="datetimeFigureOut">
               <a:rPr lang="en-US" dirty="0"/>
               <a:pPr/>
-              <a:t>1/7/2022</a:t>
+              <a:t>4/4/2022</a:t>
             </a:fld>
             <a:endParaRPr lang="en-US" dirty="0"/>
           </a:p>
@@ -3610,7 +3615,7 @@
           <a:p>
             <a:fld id="{42A54C80-263E-416B-A8E0-580EDEADCBDC}" type="datetimeFigureOut">
               <a:rPr lang="en-US" dirty="0"/>
-              <a:t>1/7/2022</a:t>
+              <a:t>4/4/2022</a:t>
             </a:fld>
             <a:endParaRPr lang="en-US" dirty="0"/>
           </a:p>
@@ -4044,7 +4049,7 @@
             <a:fld id="{B61BEF0D-F0BB-DE4B-95CE-6DB70DBA9567}" type="datetimeFigureOut">
               <a:rPr lang="en-US" dirty="0"/>
               <a:pPr/>
-              <a:t>1/7/2022</a:t>
+              <a:t>4/4/2022</a:t>
             </a:fld>
             <a:endParaRPr lang="en-US" dirty="0"/>
           </a:p>
@@ -4164,7 +4169,7 @@
             <a:fld id="{B61BEF0D-F0BB-DE4B-95CE-6DB70DBA9567}" type="datetimeFigureOut">
               <a:rPr lang="en-US" dirty="0"/>
               <a:pPr/>
-              <a:t>1/7/2022</a:t>
+              <a:t>4/4/2022</a:t>
             </a:fld>
             <a:endParaRPr lang="en-US" dirty="0"/>
           </a:p>
@@ -4256,7 +4261,7 @@
             <a:fld id="{B61BEF0D-F0BB-DE4B-95CE-6DB70DBA9567}" type="datetimeFigureOut">
               <a:rPr lang="en-US" dirty="0"/>
               <a:pPr/>
-              <a:t>1/7/2022</a:t>
+              <a:t>4/4/2022</a:t>
             </a:fld>
             <a:endParaRPr lang="en-US" dirty="0"/>
           </a:p>
@@ -4539,7 +4544,7 @@
           <a:p>
             <a:fld id="{42A54C80-263E-416B-A8E0-580EDEADCBDC}" type="datetimeFigureOut">
               <a:rPr lang="en-US" dirty="0"/>
-              <a:t>1/7/2022</a:t>
+              <a:t>4/4/2022</a:t>
             </a:fld>
             <a:endParaRPr lang="en-US" dirty="0"/>
           </a:p>
@@ -4841,7 +4846,7 @@
             <a:fld id="{B61BEF0D-F0BB-DE4B-95CE-6DB70DBA9567}" type="datetimeFigureOut">
               <a:rPr lang="en-US" dirty="0"/>
               <a:pPr/>
-              <a:t>1/7/2022</a:t>
+              <a:t>4/4/2022</a:t>
             </a:fld>
             <a:endParaRPr lang="en-US" dirty="0"/>
           </a:p>
@@ -5571,7 +5576,7 @@
             <a:fld id="{B61BEF0D-F0BB-DE4B-95CE-6DB70DBA9567}" type="datetimeFigureOut">
               <a:rPr lang="en-US" dirty="0"/>
               <a:pPr/>
-              <a:t>1/7/2022</a:t>
+              <a:t>4/4/2022</a:t>
             </a:fld>
             <a:endParaRPr lang="en-US" dirty="0"/>
           </a:p>
@@ -19265,11 +19270,18 @@
               </a:spcBef>
             </a:pPr>
             <a:r>
+              <a:rPr lang="ja-JP" altLang="en-US" sz="2400" b="0" dirty="0">
+                <a:latin typeface="ヒラギノ角ゴ Pro W3"/>
+                <a:cs typeface="ヒラギノ角ゴ Pro W3"/>
+              </a:rPr>
+              <a:t>ハード</a:t>
+            </a:r>
+            <a:r>
               <a:rPr sz="2400" b="0" dirty="0" err="1">
                 <a:latin typeface="ヒラギノ角ゴ Pro W3"/>
                 <a:cs typeface="ヒラギノ角ゴ Pro W3"/>
               </a:rPr>
-              <a:t>ソフトウェ</a:t>
+              <a:t>ウェ</a:t>
             </a:r>
             <a:r>
               <a:rPr lang="ja-JP" altLang="en-US" sz="2400" dirty="0">
